--- a/(生命聖詩12)你真偉大.pptx
+++ b/(生命聖詩12)你真偉大.pptx
@@ -12,7 +12,7 @@
     <p:sldId id="260" r:id="rId6"/>
     <p:sldId id="261" r:id="rId7"/>
   </p:sldIdLst>
-  <p:sldSz cx="9144000" cy="6858000" type="screen4x3"/>
+  <p:sldSz cx="9144000" cy="5143500" type="screen16x9"/>
   <p:notesSz cx="6858000" cy="9144000"/>
   <p:defaultTextStyle>
     <a:defPPr>
@@ -141,8 +141,8 @@
         </p:nvSpPr>
         <p:spPr>
           <a:xfrm>
-            <a:off x="685800" y="2130425"/>
-            <a:ext cx="7772400" cy="1470025"/>
+            <a:off x="685800" y="1597819"/>
+            <a:ext cx="7772400" cy="1102519"/>
           </a:xfrm>
         </p:spPr>
         <p:txBody>
@@ -169,8 +169,8 @@
         </p:nvSpPr>
         <p:spPr>
           <a:xfrm>
-            <a:off x="1371600" y="3886200"/>
-            <a:ext cx="6400800" cy="1752600"/>
+            <a:off x="1371600" y="2914650"/>
+            <a:ext cx="6400800" cy="1314450"/>
           </a:xfrm>
         </p:spPr>
         <p:txBody>
@@ -293,7 +293,7 @@
           <a:p>
             <a:fld id="{6F7D173A-6F86-48C7-BA6E-5017A77567EA}" type="datetimeFigureOut">
               <a:rPr lang="zh-TW" altLang="en-US" smtClean="0"/>
-              <a:t>2017/8/23</a:t>
+              <a:t>2019/8/3</a:t>
             </a:fld>
             <a:endParaRPr lang="zh-TW" altLang="en-US"/>
           </a:p>
@@ -458,7 +458,7 @@
           <a:p>
             <a:fld id="{6F7D173A-6F86-48C7-BA6E-5017A77567EA}" type="datetimeFigureOut">
               <a:rPr lang="zh-TW" altLang="en-US" smtClean="0"/>
-              <a:t>2017/8/23</a:t>
+              <a:t>2019/8/3</a:t>
             </a:fld>
             <a:endParaRPr lang="zh-TW" altLang="en-US"/>
           </a:p>
@@ -543,8 +543,8 @@
         </p:nvSpPr>
         <p:spPr>
           <a:xfrm>
-            <a:off x="6629400" y="274638"/>
-            <a:ext cx="2057400" cy="5851525"/>
+            <a:off x="6629400" y="205979"/>
+            <a:ext cx="2057400" cy="4388644"/>
           </a:xfrm>
         </p:spPr>
         <p:txBody>
@@ -571,8 +571,8 @@
         </p:nvSpPr>
         <p:spPr>
           <a:xfrm>
-            <a:off x="457200" y="274638"/>
-            <a:ext cx="6019800" cy="5851525"/>
+            <a:off x="457200" y="205979"/>
+            <a:ext cx="6019800" cy="4388644"/>
           </a:xfrm>
         </p:spPr>
         <p:txBody>
@@ -633,7 +633,7 @@
           <a:p>
             <a:fld id="{6F7D173A-6F86-48C7-BA6E-5017A77567EA}" type="datetimeFigureOut">
               <a:rPr lang="zh-TW" altLang="en-US" smtClean="0"/>
-              <a:t>2017/8/23</a:t>
+              <a:t>2019/8/3</a:t>
             </a:fld>
             <a:endParaRPr lang="zh-TW" altLang="en-US"/>
           </a:p>
@@ -798,7 +798,7 @@
           <a:p>
             <a:fld id="{6F7D173A-6F86-48C7-BA6E-5017A77567EA}" type="datetimeFigureOut">
               <a:rPr lang="zh-TW" altLang="en-US" smtClean="0"/>
-              <a:t>2017/8/23</a:t>
+              <a:t>2019/8/3</a:t>
             </a:fld>
             <a:endParaRPr lang="zh-TW" altLang="en-US"/>
           </a:p>
@@ -883,8 +883,8 @@
         </p:nvSpPr>
         <p:spPr>
           <a:xfrm>
-            <a:off x="722313" y="4406900"/>
-            <a:ext cx="7772400" cy="1362075"/>
+            <a:off x="722313" y="3305176"/>
+            <a:ext cx="7772400" cy="1021556"/>
           </a:xfrm>
         </p:spPr>
         <p:txBody>
@@ -915,8 +915,8 @@
         </p:nvSpPr>
         <p:spPr>
           <a:xfrm>
-            <a:off x="722313" y="2906713"/>
-            <a:ext cx="7772400" cy="1500187"/>
+            <a:off x="722313" y="2180035"/>
+            <a:ext cx="7772400" cy="1125140"/>
           </a:xfrm>
         </p:spPr>
         <p:txBody>
@@ -1039,7 +1039,7 @@
           <a:p>
             <a:fld id="{6F7D173A-6F86-48C7-BA6E-5017A77567EA}" type="datetimeFigureOut">
               <a:rPr lang="zh-TW" altLang="en-US" smtClean="0"/>
-              <a:t>2017/8/23</a:t>
+              <a:t>2019/8/3</a:t>
             </a:fld>
             <a:endParaRPr lang="zh-TW" altLang="en-US"/>
           </a:p>
@@ -1147,8 +1147,8 @@
         </p:nvSpPr>
         <p:spPr>
           <a:xfrm>
-            <a:off x="457200" y="1600200"/>
-            <a:ext cx="4038600" cy="4525963"/>
+            <a:off x="457200" y="1200151"/>
+            <a:ext cx="4038600" cy="3394472"/>
           </a:xfrm>
         </p:spPr>
         <p:txBody>
@@ -1232,8 +1232,8 @@
         </p:nvSpPr>
         <p:spPr>
           <a:xfrm>
-            <a:off x="4648200" y="1600200"/>
-            <a:ext cx="4038600" cy="4525963"/>
+            <a:off x="4648200" y="1200151"/>
+            <a:ext cx="4038600" cy="3394472"/>
           </a:xfrm>
         </p:spPr>
         <p:txBody>
@@ -1322,7 +1322,7 @@
           <a:p>
             <a:fld id="{6F7D173A-6F86-48C7-BA6E-5017A77567EA}" type="datetimeFigureOut">
               <a:rPr lang="zh-TW" altLang="en-US" smtClean="0"/>
-              <a:t>2017/8/23</a:t>
+              <a:t>2019/8/3</a:t>
             </a:fld>
             <a:endParaRPr lang="zh-TW" altLang="en-US"/>
           </a:p>
@@ -1434,8 +1434,8 @@
         </p:nvSpPr>
         <p:spPr>
           <a:xfrm>
-            <a:off x="457200" y="1535113"/>
-            <a:ext cx="4040188" cy="639762"/>
+            <a:off x="457200" y="1151335"/>
+            <a:ext cx="4040188" cy="479822"/>
           </a:xfrm>
         </p:spPr>
         <p:txBody>
@@ -1499,8 +1499,8 @@
         </p:nvSpPr>
         <p:spPr>
           <a:xfrm>
-            <a:off x="457200" y="2174875"/>
-            <a:ext cx="4040188" cy="3951288"/>
+            <a:off x="457200" y="1631156"/>
+            <a:ext cx="4040188" cy="2963466"/>
           </a:xfrm>
         </p:spPr>
         <p:txBody>
@@ -1584,8 +1584,8 @@
         </p:nvSpPr>
         <p:spPr>
           <a:xfrm>
-            <a:off x="4645025" y="1535113"/>
-            <a:ext cx="4041775" cy="639762"/>
+            <a:off x="4645026" y="1151335"/>
+            <a:ext cx="4041775" cy="479822"/>
           </a:xfrm>
         </p:spPr>
         <p:txBody>
@@ -1649,8 +1649,8 @@
         </p:nvSpPr>
         <p:spPr>
           <a:xfrm>
-            <a:off x="4645025" y="2174875"/>
-            <a:ext cx="4041775" cy="3951288"/>
+            <a:off x="4645026" y="1631156"/>
+            <a:ext cx="4041775" cy="2963466"/>
           </a:xfrm>
         </p:spPr>
         <p:txBody>
@@ -1739,7 +1739,7 @@
           <a:p>
             <a:fld id="{6F7D173A-6F86-48C7-BA6E-5017A77567EA}" type="datetimeFigureOut">
               <a:rPr lang="zh-TW" altLang="en-US" smtClean="0"/>
-              <a:t>2017/8/23</a:t>
+              <a:t>2019/8/3</a:t>
             </a:fld>
             <a:endParaRPr lang="zh-TW" altLang="en-US"/>
           </a:p>
@@ -1852,7 +1852,7 @@
           <a:p>
             <a:fld id="{6F7D173A-6F86-48C7-BA6E-5017A77567EA}" type="datetimeFigureOut">
               <a:rPr lang="zh-TW" altLang="en-US" smtClean="0"/>
-              <a:t>2017/8/23</a:t>
+              <a:t>2019/8/3</a:t>
             </a:fld>
             <a:endParaRPr lang="zh-TW" altLang="en-US"/>
           </a:p>
@@ -1942,7 +1942,7 @@
           <a:p>
             <a:fld id="{6F7D173A-6F86-48C7-BA6E-5017A77567EA}" type="datetimeFigureOut">
               <a:rPr lang="zh-TW" altLang="en-US" smtClean="0"/>
-              <a:t>2017/8/23</a:t>
+              <a:t>2019/8/3</a:t>
             </a:fld>
             <a:endParaRPr lang="zh-TW" altLang="en-US"/>
           </a:p>
@@ -2027,8 +2027,8 @@
         </p:nvSpPr>
         <p:spPr>
           <a:xfrm>
-            <a:off x="457200" y="273050"/>
-            <a:ext cx="3008313" cy="1162050"/>
+            <a:off x="457201" y="204787"/>
+            <a:ext cx="3008313" cy="871538"/>
           </a:xfrm>
         </p:spPr>
         <p:txBody>
@@ -2059,8 +2059,8 @@
         </p:nvSpPr>
         <p:spPr>
           <a:xfrm>
-            <a:off x="3575050" y="273050"/>
-            <a:ext cx="5111750" cy="5853113"/>
+            <a:off x="3575050" y="204788"/>
+            <a:ext cx="5111750" cy="4389835"/>
           </a:xfrm>
         </p:spPr>
         <p:txBody>
@@ -2144,8 +2144,8 @@
         </p:nvSpPr>
         <p:spPr>
           <a:xfrm>
-            <a:off x="457200" y="1435100"/>
-            <a:ext cx="3008313" cy="4691063"/>
+            <a:off x="457201" y="1076326"/>
+            <a:ext cx="3008313" cy="3518297"/>
           </a:xfrm>
         </p:spPr>
         <p:txBody>
@@ -2214,7 +2214,7 @@
           <a:p>
             <a:fld id="{6F7D173A-6F86-48C7-BA6E-5017A77567EA}" type="datetimeFigureOut">
               <a:rPr lang="zh-TW" altLang="en-US" smtClean="0"/>
-              <a:t>2017/8/23</a:t>
+              <a:t>2019/8/3</a:t>
             </a:fld>
             <a:endParaRPr lang="zh-TW" altLang="en-US"/>
           </a:p>
@@ -2299,8 +2299,8 @@
         </p:nvSpPr>
         <p:spPr>
           <a:xfrm>
-            <a:off x="1792288" y="4800600"/>
-            <a:ext cx="5486400" cy="566738"/>
+            <a:off x="1792288" y="3600450"/>
+            <a:ext cx="5486400" cy="425054"/>
           </a:xfrm>
         </p:spPr>
         <p:txBody>
@@ -2331,8 +2331,8 @@
         </p:nvSpPr>
         <p:spPr>
           <a:xfrm>
-            <a:off x="1792288" y="612775"/>
-            <a:ext cx="5486400" cy="4114800"/>
+            <a:off x="1792288" y="459581"/>
+            <a:ext cx="5486400" cy="3086100"/>
           </a:xfrm>
         </p:spPr>
         <p:txBody>
@@ -2396,8 +2396,8 @@
         </p:nvSpPr>
         <p:spPr>
           <a:xfrm>
-            <a:off x="1792288" y="5367338"/>
-            <a:ext cx="5486400" cy="804862"/>
+            <a:off x="1792288" y="4025503"/>
+            <a:ext cx="5486400" cy="603647"/>
           </a:xfrm>
         </p:spPr>
         <p:txBody>
@@ -2466,7 +2466,7 @@
           <a:p>
             <a:fld id="{6F7D173A-6F86-48C7-BA6E-5017A77567EA}" type="datetimeFigureOut">
               <a:rPr lang="zh-TW" altLang="en-US" smtClean="0"/>
-              <a:t>2017/8/23</a:t>
+              <a:t>2019/8/3</a:t>
             </a:fld>
             <a:endParaRPr lang="zh-TW" altLang="en-US"/>
           </a:p>
@@ -2561,8 +2561,8 @@
         </p:nvSpPr>
         <p:spPr>
           <a:xfrm>
-            <a:off x="457200" y="274638"/>
-            <a:ext cx="8229600" cy="1143000"/>
+            <a:off x="457200" y="205979"/>
+            <a:ext cx="8229600" cy="857250"/>
           </a:xfrm>
           <a:prstGeom prst="rect">
             <a:avLst/>
@@ -2594,8 +2594,8 @@
         </p:nvSpPr>
         <p:spPr>
           <a:xfrm>
-            <a:off x="457200" y="1600200"/>
-            <a:ext cx="8229600" cy="4525963"/>
+            <a:off x="457200" y="1200151"/>
+            <a:ext cx="8229600" cy="3394472"/>
           </a:xfrm>
           <a:prstGeom prst="rect">
             <a:avLst/>
@@ -2656,8 +2656,8 @@
         </p:nvSpPr>
         <p:spPr>
           <a:xfrm>
-            <a:off x="457200" y="6356350"/>
-            <a:ext cx="2133600" cy="365125"/>
+            <a:off x="457200" y="4767263"/>
+            <a:ext cx="2133600" cy="273844"/>
           </a:xfrm>
           <a:prstGeom prst="rect">
             <a:avLst/>
@@ -2679,7 +2679,7 @@
           <a:p>
             <a:fld id="{6F7D173A-6F86-48C7-BA6E-5017A77567EA}" type="datetimeFigureOut">
               <a:rPr lang="zh-TW" altLang="en-US" smtClean="0"/>
-              <a:t>2017/8/23</a:t>
+              <a:t>2019/8/3</a:t>
             </a:fld>
             <a:endParaRPr lang="zh-TW" altLang="en-US"/>
           </a:p>
@@ -2697,8 +2697,8 @@
         </p:nvSpPr>
         <p:spPr>
           <a:xfrm>
-            <a:off x="3124200" y="6356350"/>
-            <a:ext cx="2895600" cy="365125"/>
+            <a:off x="3124200" y="4767263"/>
+            <a:ext cx="2895600" cy="273844"/>
           </a:xfrm>
           <a:prstGeom prst="rect">
             <a:avLst/>
@@ -2734,8 +2734,8 @@
         </p:nvSpPr>
         <p:spPr>
           <a:xfrm>
-            <a:off x="6553200" y="6356350"/>
-            <a:ext cx="2133600" cy="365125"/>
+            <a:off x="6553200" y="4767263"/>
+            <a:ext cx="2133600" cy="273844"/>
           </a:xfrm>
           <a:prstGeom prst="rect">
             <a:avLst/>
@@ -3061,11 +3061,13 @@
         </p:nvSpPr>
         <p:spPr/>
         <p:txBody>
-          <a:bodyPr/>
-          <a:lstStyle/>
-          <a:p>
-            <a:r>
-              <a:rPr lang="zh-TW" altLang="en-US" b="1" dirty="0" smtClean="0">
+          <a:bodyPr>
+            <a:normAutofit/>
+          </a:bodyPr>
+          <a:lstStyle/>
+          <a:p>
+            <a:r>
+              <a:rPr lang="zh-TW" altLang="en-US" sz="4000" b="1" dirty="0" smtClean="0">
                 <a:solidFill>
                   <a:srgbClr val="000066"/>
                 </a:solidFill>
@@ -3074,7 +3076,7 @@
               </a:rPr>
               <a:t>你真偉大</a:t>
             </a:r>
-            <a:endParaRPr lang="zh-TW" altLang="en-US" b="1" dirty="0">
+            <a:endParaRPr lang="zh-TW" altLang="en-US" sz="4000" b="1" dirty="0">
               <a:solidFill>
                 <a:srgbClr val="000066"/>
               </a:solidFill>
@@ -3096,8 +3098,8 @@
         </p:nvSpPr>
         <p:spPr>
           <a:xfrm>
-            <a:off x="0" y="1600200"/>
-            <a:ext cx="9144000" cy="4525963"/>
+            <a:off x="0" y="1200151"/>
+            <a:ext cx="9144000" cy="3394472"/>
           </a:xfrm>
         </p:spPr>
         <p:txBody>
@@ -3110,46 +3112,16 @@
               <a:buNone/>
             </a:pPr>
             <a:r>
-              <a:rPr lang="zh-TW" altLang="en-US" sz="5400" b="1" dirty="0" smtClean="0">
+              <a:rPr lang="zh-TW" altLang="en-US" sz="4800" b="1" dirty="0" smtClean="0">
                 <a:solidFill>
                   <a:srgbClr val="000066"/>
                 </a:solidFill>
                 <a:latin typeface="微軟正黑體" pitchFamily="34" charset="-120"/>
                 <a:ea typeface="微軟正黑體" pitchFamily="34" charset="-120"/>
               </a:rPr>
-              <a:t>主</a:t>
-            </a:r>
-            <a:r>
-              <a:rPr lang="zh-TW" altLang="en-US" sz="5400" b="1" dirty="0" smtClean="0">
-                <a:solidFill>
-                  <a:srgbClr val="000066"/>
-                </a:solidFill>
-                <a:latin typeface="微軟正黑體" pitchFamily="34" charset="-120"/>
-                <a:ea typeface="微軟正黑體" pitchFamily="34" charset="-120"/>
-              </a:rPr>
-              <a:t>阿  我神  我</a:t>
-            </a:r>
-            <a:r>
-              <a:rPr lang="zh-TW" altLang="en-US" sz="5400" b="1" dirty="0" smtClean="0">
-                <a:solidFill>
-                  <a:srgbClr val="000066"/>
-                </a:solidFill>
-                <a:latin typeface="微軟正黑體" pitchFamily="34" charset="-120"/>
-                <a:ea typeface="微軟正黑體" pitchFamily="34" charset="-120"/>
-              </a:rPr>
-              <a:t>每逢舉目</a:t>
-            </a:r>
-            <a:r>
-              <a:rPr lang="zh-TW" altLang="en-US" sz="5400" b="1" dirty="0" smtClean="0">
-                <a:solidFill>
-                  <a:srgbClr val="000066"/>
-                </a:solidFill>
-                <a:latin typeface="微軟正黑體" pitchFamily="34" charset="-120"/>
-                <a:ea typeface="微軟正黑體" pitchFamily="34" charset="-120"/>
-              </a:rPr>
-              <a:t>觀看</a:t>
-            </a:r>
-            <a:endParaRPr lang="en-US" altLang="zh-TW" sz="5400" b="1" dirty="0" smtClean="0">
+              <a:t>主阿  我神  我每逢舉目觀看</a:t>
+            </a:r>
+            <a:endParaRPr lang="en-US" altLang="zh-TW" sz="4800" b="1" dirty="0" smtClean="0">
               <a:solidFill>
                 <a:srgbClr val="000066"/>
               </a:solidFill>
@@ -3162,36 +3134,16 @@
               <a:buNone/>
             </a:pPr>
             <a:r>
-              <a:rPr lang="zh-TW" altLang="en-US" sz="5400" b="1" dirty="0" smtClean="0">
+              <a:rPr lang="zh-TW" altLang="en-US" sz="4800" b="1" dirty="0" smtClean="0">
                 <a:solidFill>
                   <a:srgbClr val="000066"/>
                 </a:solidFill>
                 <a:latin typeface="微軟正黑體" pitchFamily="34" charset="-120"/>
                 <a:ea typeface="微軟正黑體" pitchFamily="34" charset="-120"/>
               </a:rPr>
-              <a:t>你</a:t>
-            </a:r>
-            <a:r>
-              <a:rPr lang="zh-TW" altLang="en-US" sz="5400" b="1" dirty="0" smtClean="0">
-                <a:solidFill>
-                  <a:srgbClr val="000066"/>
-                </a:solidFill>
-                <a:latin typeface="微軟正黑體" pitchFamily="34" charset="-120"/>
-                <a:ea typeface="微軟正黑體" pitchFamily="34" charset="-120"/>
-              </a:rPr>
-              <a:t>手所造一切奇妙大</a:t>
-            </a:r>
-            <a:r>
-              <a:rPr lang="zh-TW" altLang="en-US" sz="5400" b="1" dirty="0" smtClean="0">
-                <a:solidFill>
-                  <a:srgbClr val="000066"/>
-                </a:solidFill>
-                <a:latin typeface="微軟正黑體" pitchFamily="34" charset="-120"/>
-                <a:ea typeface="微軟正黑體" pitchFamily="34" charset="-120"/>
-              </a:rPr>
-              <a:t>工</a:t>
-            </a:r>
-            <a:endParaRPr lang="en-US" altLang="zh-TW" sz="5400" b="1" dirty="0" smtClean="0">
+              <a:t>你手所造一切奇妙大工</a:t>
+            </a:r>
+            <a:endParaRPr lang="en-US" altLang="zh-TW" sz="4800" b="1" dirty="0" smtClean="0">
               <a:solidFill>
                 <a:srgbClr val="000066"/>
               </a:solidFill>
@@ -3204,36 +3156,16 @@
               <a:buNone/>
             </a:pPr>
             <a:r>
-              <a:rPr lang="zh-TW" altLang="en-US" sz="5400" b="1" dirty="0" smtClean="0">
+              <a:rPr lang="zh-TW" altLang="en-US" sz="4800" b="1" dirty="0" smtClean="0">
                 <a:solidFill>
                   <a:srgbClr val="000066"/>
                 </a:solidFill>
                 <a:latin typeface="微軟正黑體" pitchFamily="34" charset="-120"/>
                 <a:ea typeface="微軟正黑體" pitchFamily="34" charset="-120"/>
               </a:rPr>
-              <a:t>看見星宿  又</a:t>
-            </a:r>
-            <a:r>
-              <a:rPr lang="zh-TW" altLang="en-US" sz="5400" b="1" dirty="0" smtClean="0">
-                <a:solidFill>
-                  <a:srgbClr val="000066"/>
-                </a:solidFill>
-                <a:latin typeface="微軟正黑體" pitchFamily="34" charset="-120"/>
-                <a:ea typeface="微軟正黑體" pitchFamily="34" charset="-120"/>
-              </a:rPr>
-              <a:t>聽到隆隆</a:t>
-            </a:r>
-            <a:r>
-              <a:rPr lang="zh-TW" altLang="en-US" sz="5400" b="1" dirty="0" smtClean="0">
-                <a:solidFill>
-                  <a:srgbClr val="000066"/>
-                </a:solidFill>
-                <a:latin typeface="微軟正黑體" pitchFamily="34" charset="-120"/>
-                <a:ea typeface="微軟正黑體" pitchFamily="34" charset="-120"/>
-              </a:rPr>
-              <a:t>雷聲</a:t>
-            </a:r>
-            <a:endParaRPr lang="en-US" altLang="zh-TW" sz="5400" b="1" dirty="0" smtClean="0">
+              <a:t>看見星宿  又聽到隆隆雷聲</a:t>
+            </a:r>
+            <a:endParaRPr lang="en-US" altLang="zh-TW" sz="4800" b="1" dirty="0" smtClean="0">
               <a:solidFill>
                 <a:srgbClr val="000066"/>
               </a:solidFill>
@@ -3246,26 +3178,16 @@
               <a:buNone/>
             </a:pPr>
             <a:r>
-              <a:rPr lang="zh-TW" altLang="en-US" sz="5400" b="1" dirty="0" smtClean="0">
+              <a:rPr lang="zh-TW" altLang="en-US" sz="4800" b="1" dirty="0" smtClean="0">
                 <a:solidFill>
                   <a:srgbClr val="000066"/>
                 </a:solidFill>
                 <a:latin typeface="微軟正黑體" pitchFamily="34" charset="-120"/>
                 <a:ea typeface="微軟正黑體" pitchFamily="34" charset="-120"/>
               </a:rPr>
-              <a:t>你</a:t>
-            </a:r>
-            <a:r>
-              <a:rPr lang="zh-TW" altLang="en-US" sz="5400" b="1" dirty="0" smtClean="0">
-                <a:solidFill>
-                  <a:srgbClr val="000066"/>
-                </a:solidFill>
-                <a:latin typeface="微軟正黑體" pitchFamily="34" charset="-120"/>
-                <a:ea typeface="微軟正黑體" pitchFamily="34" charset="-120"/>
-              </a:rPr>
-              <a:t>的大能遍滿了宇宙中</a:t>
-            </a:r>
-            <a:endParaRPr lang="zh-TW" altLang="en-US" sz="5400" b="1" dirty="0">
+              <a:t>你的大能遍滿了宇宙中</a:t>
+            </a:r>
+            <a:endParaRPr lang="zh-TW" altLang="en-US" sz="4800" b="1" dirty="0">
               <a:solidFill>
                 <a:srgbClr val="000066"/>
               </a:solidFill>
@@ -3312,11 +3234,13 @@
         </p:nvSpPr>
         <p:spPr/>
         <p:txBody>
-          <a:bodyPr/>
-          <a:lstStyle/>
-          <a:p>
-            <a:r>
-              <a:rPr lang="zh-TW" altLang="en-US" b="1" dirty="0" smtClean="0">
+          <a:bodyPr>
+            <a:normAutofit/>
+          </a:bodyPr>
+          <a:lstStyle/>
+          <a:p>
+            <a:r>
+              <a:rPr lang="zh-TW" altLang="en-US" sz="4000" b="1" dirty="0">
                 <a:solidFill>
                   <a:srgbClr val="000066"/>
                 </a:solidFill>
@@ -3325,7 +3249,7 @@
               </a:rPr>
               <a:t>你真偉大</a:t>
             </a:r>
-            <a:endParaRPr lang="zh-TW" altLang="en-US" b="1" dirty="0">
+            <a:endParaRPr lang="zh-TW" altLang="en-US" sz="4000" b="1" dirty="0">
               <a:solidFill>
                 <a:srgbClr val="000066"/>
               </a:solidFill>
@@ -3347,8 +3271,8 @@
         </p:nvSpPr>
         <p:spPr>
           <a:xfrm>
-            <a:off x="0" y="1600200"/>
-            <a:ext cx="9144000" cy="4525963"/>
+            <a:off x="0" y="1200151"/>
+            <a:ext cx="9144000" cy="3394472"/>
           </a:xfrm>
         </p:spPr>
         <p:txBody>
@@ -3361,46 +3285,16 @@
               <a:buNone/>
             </a:pPr>
             <a:r>
-              <a:rPr lang="zh-TW" altLang="en-US" sz="5400" b="1" dirty="0" smtClean="0">
+              <a:rPr lang="zh-TW" altLang="en-US" sz="4800" b="1" dirty="0">
                 <a:solidFill>
                   <a:srgbClr val="000066"/>
                 </a:solidFill>
                 <a:latin typeface="微軟正黑體" pitchFamily="34" charset="-120"/>
                 <a:ea typeface="微軟正黑體" pitchFamily="34" charset="-120"/>
               </a:rPr>
-              <a:t>我靈</a:t>
-            </a:r>
-            <a:r>
-              <a:rPr lang="zh-TW" altLang="en-US" sz="5400" b="1" dirty="0" smtClean="0">
-                <a:solidFill>
-                  <a:srgbClr val="000066"/>
-                </a:solidFill>
-                <a:latin typeface="微軟正黑體" pitchFamily="34" charset="-120"/>
-                <a:ea typeface="微軟正黑體" pitchFamily="34" charset="-120"/>
-              </a:rPr>
-              <a:t>歌唱  讚美</a:t>
-            </a:r>
-            <a:r>
-              <a:rPr lang="zh-TW" altLang="en-US" sz="5400" b="1" dirty="0" smtClean="0">
-                <a:solidFill>
-                  <a:srgbClr val="000066"/>
-                </a:solidFill>
-                <a:latin typeface="微軟正黑體" pitchFamily="34" charset="-120"/>
-                <a:ea typeface="微軟正黑體" pitchFamily="34" charset="-120"/>
-              </a:rPr>
-              <a:t>救主我</a:t>
-            </a:r>
-            <a:r>
-              <a:rPr lang="zh-TW" altLang="en-US" sz="5400" b="1" dirty="0" smtClean="0">
-                <a:solidFill>
-                  <a:srgbClr val="000066"/>
-                </a:solidFill>
-                <a:latin typeface="微軟正黑體" pitchFamily="34" charset="-120"/>
-                <a:ea typeface="微軟正黑體" pitchFamily="34" charset="-120"/>
-              </a:rPr>
-              <a:t>神</a:t>
-            </a:r>
-            <a:endParaRPr lang="en-US" altLang="zh-TW" sz="5400" b="1" dirty="0" smtClean="0">
+              <a:t>我靈歌唱  讚美救主我神</a:t>
+            </a:r>
+            <a:endParaRPr lang="en-US" altLang="zh-TW" sz="4800" b="1" dirty="0">
               <a:solidFill>
                 <a:srgbClr val="000066"/>
               </a:solidFill>
@@ -3413,36 +3307,16 @@
               <a:buNone/>
             </a:pPr>
             <a:r>
-              <a:rPr lang="zh-TW" altLang="en-US" sz="5400" b="1" dirty="0" smtClean="0">
+              <a:rPr lang="zh-TW" altLang="en-US" sz="4800" b="1" dirty="0">
                 <a:solidFill>
                   <a:srgbClr val="000066"/>
                 </a:solidFill>
                 <a:latin typeface="微軟正黑體" pitchFamily="34" charset="-120"/>
                 <a:ea typeface="微軟正黑體" pitchFamily="34" charset="-120"/>
               </a:rPr>
-              <a:t>你</a:t>
-            </a:r>
-            <a:r>
-              <a:rPr lang="zh-TW" altLang="en-US" sz="5400" b="1" dirty="0" smtClean="0">
-                <a:solidFill>
-                  <a:srgbClr val="000066"/>
-                </a:solidFill>
-                <a:latin typeface="微軟正黑體" pitchFamily="34" charset="-120"/>
-                <a:ea typeface="微軟正黑體" pitchFamily="34" charset="-120"/>
-              </a:rPr>
-              <a:t>真</a:t>
-            </a:r>
-            <a:r>
-              <a:rPr lang="zh-TW" altLang="en-US" sz="5400" b="1" dirty="0" smtClean="0">
-                <a:solidFill>
-                  <a:srgbClr val="000066"/>
-                </a:solidFill>
-                <a:latin typeface="微軟正黑體" pitchFamily="34" charset="-120"/>
-                <a:ea typeface="微軟正黑體" pitchFamily="34" charset="-120"/>
-              </a:rPr>
-              <a:t>偉大  何等偉大</a:t>
-            </a:r>
-            <a:endParaRPr lang="en-US" altLang="zh-TW" sz="5400" b="1" dirty="0" smtClean="0">
+              <a:t>你真偉大  何等偉大</a:t>
+            </a:r>
+            <a:endParaRPr lang="en-US" altLang="zh-TW" sz="4800" b="1" dirty="0">
               <a:solidFill>
                 <a:srgbClr val="000066"/>
               </a:solidFill>
@@ -3455,56 +3329,16 @@
               <a:buNone/>
             </a:pPr>
             <a:r>
-              <a:rPr lang="zh-TW" altLang="en-US" sz="5400" b="1" dirty="0" smtClean="0">
+              <a:rPr lang="zh-TW" altLang="en-US" sz="4800" b="1" dirty="0">
                 <a:solidFill>
                   <a:srgbClr val="000066"/>
                 </a:solidFill>
                 <a:latin typeface="微軟正黑體" pitchFamily="34" charset="-120"/>
                 <a:ea typeface="微軟正黑體" pitchFamily="34" charset="-120"/>
               </a:rPr>
-              <a:t>我</a:t>
-            </a:r>
-            <a:r>
-              <a:rPr lang="zh-TW" altLang="en-US" sz="5400" b="1" dirty="0" smtClean="0">
-                <a:solidFill>
-                  <a:srgbClr val="000066"/>
-                </a:solidFill>
-                <a:latin typeface="微軟正黑體" pitchFamily="34" charset="-120"/>
-                <a:ea typeface="微軟正黑體" pitchFamily="34" charset="-120"/>
-              </a:rPr>
-              <a:t>靈</a:t>
-            </a:r>
-            <a:r>
-              <a:rPr lang="zh-TW" altLang="en-US" sz="5400" b="1" dirty="0" smtClean="0">
-                <a:solidFill>
-                  <a:srgbClr val="000066"/>
-                </a:solidFill>
-                <a:latin typeface="微軟正黑體" pitchFamily="34" charset="-120"/>
-                <a:ea typeface="微軟正黑體" pitchFamily="34" charset="-120"/>
-              </a:rPr>
-              <a:t>歌唱  讚美</a:t>
-            </a:r>
-            <a:r>
-              <a:rPr lang="zh-TW" altLang="en-US" sz="5400" b="1" dirty="0" smtClean="0">
-                <a:solidFill>
-                  <a:srgbClr val="000066"/>
-                </a:solidFill>
-                <a:latin typeface="微軟正黑體" pitchFamily="34" charset="-120"/>
-                <a:ea typeface="微軟正黑體" pitchFamily="34" charset="-120"/>
-              </a:rPr>
-              <a:t>救主我</a:t>
-            </a:r>
-            <a:r>
-              <a:rPr lang="zh-TW" altLang="en-US" sz="5400" b="1" dirty="0" smtClean="0">
-                <a:solidFill>
-                  <a:srgbClr val="000066"/>
-                </a:solidFill>
-                <a:latin typeface="微軟正黑體" pitchFamily="34" charset="-120"/>
-                <a:ea typeface="微軟正黑體" pitchFamily="34" charset="-120"/>
-              </a:rPr>
-              <a:t>神</a:t>
-            </a:r>
-            <a:endParaRPr lang="en-US" altLang="zh-TW" sz="5400" b="1" dirty="0" smtClean="0">
+              <a:t>我靈歌唱  讚美救主我神</a:t>
+            </a:r>
+            <a:endParaRPr lang="en-US" altLang="zh-TW" sz="4800" b="1" dirty="0">
               <a:solidFill>
                 <a:srgbClr val="000066"/>
               </a:solidFill>
@@ -3517,46 +3351,16 @@
               <a:buNone/>
             </a:pPr>
             <a:r>
-              <a:rPr lang="zh-TW" altLang="en-US" sz="5400" b="1" dirty="0" smtClean="0">
+              <a:rPr lang="zh-TW" altLang="en-US" sz="4800" b="1" dirty="0">
                 <a:solidFill>
                   <a:srgbClr val="000066"/>
                 </a:solidFill>
                 <a:latin typeface="微軟正黑體" pitchFamily="34" charset="-120"/>
                 <a:ea typeface="微軟正黑體" pitchFamily="34" charset="-120"/>
               </a:rPr>
-              <a:t>你</a:t>
-            </a:r>
-            <a:r>
-              <a:rPr lang="zh-TW" altLang="en-US" sz="5400" b="1" dirty="0" smtClean="0">
-                <a:solidFill>
-                  <a:srgbClr val="000066"/>
-                </a:solidFill>
-                <a:latin typeface="微軟正黑體" pitchFamily="34" charset="-120"/>
-                <a:ea typeface="微軟正黑體" pitchFamily="34" charset="-120"/>
-              </a:rPr>
-              <a:t>真</a:t>
-            </a:r>
-            <a:r>
-              <a:rPr lang="zh-TW" altLang="en-US" sz="5400" b="1" dirty="0" smtClean="0">
-                <a:solidFill>
-                  <a:srgbClr val="000066"/>
-                </a:solidFill>
-                <a:latin typeface="微軟正黑體" pitchFamily="34" charset="-120"/>
-                <a:ea typeface="微軟正黑體" pitchFamily="34" charset="-120"/>
-              </a:rPr>
-              <a:t>偉大  何等</a:t>
-            </a:r>
-            <a:r>
-              <a:rPr lang="zh-TW" altLang="en-US" sz="5400" b="1" dirty="0" smtClean="0">
-                <a:solidFill>
-                  <a:srgbClr val="000066"/>
-                </a:solidFill>
-                <a:latin typeface="微軟正黑體" pitchFamily="34" charset="-120"/>
-                <a:ea typeface="微軟正黑體" pitchFamily="34" charset="-120"/>
-              </a:rPr>
-              <a:t>偉大</a:t>
-            </a:r>
-            <a:endParaRPr lang="zh-TW" altLang="en-US" sz="5400" b="1" dirty="0">
+              <a:t>你真偉大  何等偉大</a:t>
+            </a:r>
+            <a:endParaRPr lang="zh-TW" altLang="en-US" sz="4800" b="1" dirty="0">
               <a:solidFill>
                 <a:srgbClr val="000066"/>
               </a:solidFill>
@@ -3638,8 +3442,8 @@
         </p:nvSpPr>
         <p:spPr>
           <a:xfrm>
-            <a:off x="0" y="1600200"/>
-            <a:ext cx="9144000" cy="4525963"/>
+            <a:off x="0" y="1200151"/>
+            <a:ext cx="9144000" cy="3394472"/>
           </a:xfrm>
         </p:spPr>
         <p:txBody>
@@ -3652,46 +3456,16 @@
               <a:buNone/>
             </a:pPr>
             <a:r>
-              <a:rPr lang="zh-TW" altLang="en-US" sz="5400" b="1" dirty="0" smtClean="0">
+              <a:rPr lang="zh-TW" altLang="en-US" sz="4800" b="1" dirty="0">
                 <a:solidFill>
                   <a:srgbClr val="000066"/>
                 </a:solidFill>
                 <a:latin typeface="微軟正黑體" pitchFamily="34" charset="-120"/>
                 <a:ea typeface="微軟正黑體" pitchFamily="34" charset="-120"/>
               </a:rPr>
-              <a:t>當我</a:t>
-            </a:r>
-            <a:r>
-              <a:rPr lang="zh-TW" altLang="en-US" sz="5400" b="1" dirty="0" smtClean="0">
-                <a:solidFill>
-                  <a:srgbClr val="000066"/>
-                </a:solidFill>
-                <a:latin typeface="微軟正黑體" pitchFamily="34" charset="-120"/>
-                <a:ea typeface="微軟正黑體" pitchFamily="34" charset="-120"/>
-              </a:rPr>
-              <a:t>想到  神</a:t>
-            </a:r>
-            <a:r>
-              <a:rPr lang="zh-TW" altLang="en-US" sz="5400" b="1" dirty="0" smtClean="0">
-                <a:solidFill>
-                  <a:srgbClr val="000066"/>
-                </a:solidFill>
-                <a:latin typeface="微軟正黑體" pitchFamily="34" charset="-120"/>
-                <a:ea typeface="微軟正黑體" pitchFamily="34" charset="-120"/>
-              </a:rPr>
-              <a:t>竟願差祂</a:t>
-            </a:r>
-            <a:r>
-              <a:rPr lang="zh-TW" altLang="en-US" sz="5400" b="1" dirty="0" smtClean="0">
-                <a:solidFill>
-                  <a:srgbClr val="000066"/>
-                </a:solidFill>
-                <a:latin typeface="微軟正黑體" pitchFamily="34" charset="-120"/>
-                <a:ea typeface="微軟正黑體" pitchFamily="34" charset="-120"/>
-              </a:rPr>
-              <a:t>兒子</a:t>
-            </a:r>
-            <a:endParaRPr lang="en-US" altLang="zh-TW" sz="5400" b="1" dirty="0" smtClean="0">
+              <a:t>當我想到  神竟願差祂兒子</a:t>
+            </a:r>
+            <a:endParaRPr lang="en-US" altLang="zh-TW" sz="4800" b="1" dirty="0">
               <a:solidFill>
                 <a:srgbClr val="000066"/>
               </a:solidFill>
@@ -3704,56 +3478,16 @@
               <a:buNone/>
             </a:pPr>
             <a:r>
-              <a:rPr lang="zh-TW" altLang="en-US" sz="5400" b="1" dirty="0" smtClean="0">
+              <a:rPr lang="zh-TW" altLang="en-US" sz="4800" b="1" dirty="0">
                 <a:solidFill>
                   <a:srgbClr val="000066"/>
                 </a:solidFill>
                 <a:latin typeface="微軟正黑體" pitchFamily="34" charset="-120"/>
                 <a:ea typeface="微軟正黑體" pitchFamily="34" charset="-120"/>
               </a:rPr>
-              <a:t>降</a:t>
-            </a:r>
-            <a:r>
-              <a:rPr lang="zh-TW" altLang="en-US" sz="5400" b="1" dirty="0" smtClean="0">
-                <a:solidFill>
-                  <a:srgbClr val="000066"/>
-                </a:solidFill>
-                <a:latin typeface="微軟正黑體" pitchFamily="34" charset="-120"/>
-                <a:ea typeface="微軟正黑體" pitchFamily="34" charset="-120"/>
-              </a:rPr>
-              <a:t>世</a:t>
-            </a:r>
-            <a:r>
-              <a:rPr lang="zh-TW" altLang="en-US" sz="5400" b="1" dirty="0" smtClean="0">
-                <a:solidFill>
-                  <a:srgbClr val="000066"/>
-                </a:solidFill>
-                <a:latin typeface="微軟正黑體" pitchFamily="34" charset="-120"/>
-                <a:ea typeface="微軟正黑體" pitchFamily="34" charset="-120"/>
-              </a:rPr>
-              <a:t>捨命  我</a:t>
-            </a:r>
-            <a:r>
-              <a:rPr lang="zh-TW" altLang="en-US" sz="5400" b="1" dirty="0" smtClean="0">
-                <a:solidFill>
-                  <a:srgbClr val="000066"/>
-                </a:solidFill>
-                <a:latin typeface="微軟正黑體" pitchFamily="34" charset="-120"/>
-                <a:ea typeface="微軟正黑體" pitchFamily="34" charset="-120"/>
-              </a:rPr>
-              <a:t>幾乎不</a:t>
-            </a:r>
-            <a:r>
-              <a:rPr lang="zh-TW" altLang="en-US" sz="5400" b="1" dirty="0" smtClean="0">
-                <a:solidFill>
-                  <a:srgbClr val="000066"/>
-                </a:solidFill>
-                <a:latin typeface="微軟正黑體" pitchFamily="34" charset="-120"/>
-                <a:ea typeface="微軟正黑體" pitchFamily="34" charset="-120"/>
-              </a:rPr>
-              <a:t>領會</a:t>
-            </a:r>
-            <a:endParaRPr lang="en-US" altLang="zh-TW" sz="5400" b="1" dirty="0" smtClean="0">
+              <a:t>降世捨命  我幾乎不領會</a:t>
+            </a:r>
+            <a:endParaRPr lang="en-US" altLang="zh-TW" sz="4800" b="1" dirty="0">
               <a:solidFill>
                 <a:srgbClr val="000066"/>
               </a:solidFill>
@@ -3766,56 +3500,16 @@
               <a:buNone/>
             </a:pPr>
             <a:r>
-              <a:rPr lang="zh-TW" altLang="en-US" sz="5400" b="1" dirty="0" smtClean="0">
+              <a:rPr lang="zh-TW" altLang="en-US" sz="4800" b="1" dirty="0">
                 <a:solidFill>
                   <a:srgbClr val="000066"/>
                 </a:solidFill>
                 <a:latin typeface="微軟正黑體" pitchFamily="34" charset="-120"/>
                 <a:ea typeface="微軟正黑體" pitchFamily="34" charset="-120"/>
               </a:rPr>
-              <a:t>主</a:t>
-            </a:r>
-            <a:r>
-              <a:rPr lang="zh-TW" altLang="en-US" sz="5400" b="1" dirty="0" smtClean="0">
-                <a:solidFill>
-                  <a:srgbClr val="000066"/>
-                </a:solidFill>
-                <a:latin typeface="微軟正黑體" pitchFamily="34" charset="-120"/>
-                <a:ea typeface="微軟正黑體" pitchFamily="34" charset="-120"/>
-              </a:rPr>
-              <a:t>在十</a:t>
-            </a:r>
-            <a:r>
-              <a:rPr lang="zh-TW" altLang="en-US" sz="5400" b="1" dirty="0" smtClean="0">
-                <a:solidFill>
-                  <a:srgbClr val="000066"/>
-                </a:solidFill>
-                <a:latin typeface="微軟正黑體" pitchFamily="34" charset="-120"/>
-                <a:ea typeface="微軟正黑體" pitchFamily="34" charset="-120"/>
-              </a:rPr>
-              <a:t>架  甘願</a:t>
-            </a:r>
-            <a:r>
-              <a:rPr lang="zh-TW" altLang="en-US" sz="5400" b="1" dirty="0" smtClean="0">
-                <a:solidFill>
-                  <a:srgbClr val="000066"/>
-                </a:solidFill>
-                <a:latin typeface="微軟正黑體" pitchFamily="34" charset="-120"/>
-                <a:ea typeface="微軟正黑體" pitchFamily="34" charset="-120"/>
-              </a:rPr>
-              <a:t>背我的</a:t>
-            </a:r>
-            <a:r>
-              <a:rPr lang="zh-TW" altLang="en-US" sz="5400" b="1" dirty="0" smtClean="0">
-                <a:solidFill>
-                  <a:srgbClr val="000066"/>
-                </a:solidFill>
-                <a:latin typeface="微軟正黑體" pitchFamily="34" charset="-120"/>
-                <a:ea typeface="微軟正黑體" pitchFamily="34" charset="-120"/>
-              </a:rPr>
-              <a:t>重擔</a:t>
-            </a:r>
-            <a:endParaRPr lang="en-US" altLang="zh-TW" sz="5400" b="1" dirty="0" smtClean="0">
+              <a:t>主在十架  甘願背我的重擔</a:t>
+            </a:r>
+            <a:endParaRPr lang="en-US" altLang="zh-TW" sz="4800" b="1" dirty="0">
               <a:solidFill>
                 <a:srgbClr val="000066"/>
               </a:solidFill>
@@ -3828,26 +3522,16 @@
               <a:buNone/>
             </a:pPr>
             <a:r>
-              <a:rPr lang="zh-TW" altLang="en-US" sz="5400" b="1" dirty="0" smtClean="0">
+              <a:rPr lang="zh-TW" altLang="en-US" sz="4800" b="1" dirty="0">
                 <a:solidFill>
                   <a:srgbClr val="000066"/>
                 </a:solidFill>
                 <a:latin typeface="微軟正黑體" pitchFamily="34" charset="-120"/>
                 <a:ea typeface="微軟正黑體" pitchFamily="34" charset="-120"/>
               </a:rPr>
-              <a:t>流血</a:t>
-            </a:r>
-            <a:r>
-              <a:rPr lang="zh-TW" altLang="en-US" sz="5400" b="1" dirty="0" smtClean="0">
-                <a:solidFill>
-                  <a:srgbClr val="000066"/>
-                </a:solidFill>
-                <a:latin typeface="微軟正黑體" pitchFamily="34" charset="-120"/>
-                <a:ea typeface="微軟正黑體" pitchFamily="34" charset="-120"/>
-              </a:rPr>
-              <a:t>捨身為要赦免我罪</a:t>
-            </a:r>
-            <a:endParaRPr lang="zh-TW" altLang="en-US" sz="5400" b="1" dirty="0">
+              <a:t>流血捨身為要赦免我罪</a:t>
+            </a:r>
+            <a:endParaRPr lang="zh-TW" altLang="en-US" sz="4800" b="1" dirty="0">
               <a:solidFill>
                 <a:srgbClr val="000066"/>
               </a:solidFill>
@@ -3894,11 +3578,13 @@
         </p:nvSpPr>
         <p:spPr/>
         <p:txBody>
-          <a:bodyPr/>
-          <a:lstStyle/>
-          <a:p>
-            <a:r>
-              <a:rPr lang="zh-TW" altLang="en-US" b="1" dirty="0" smtClean="0">
+          <a:bodyPr>
+            <a:normAutofit/>
+          </a:bodyPr>
+          <a:lstStyle/>
+          <a:p>
+            <a:r>
+              <a:rPr lang="zh-TW" altLang="en-US" sz="4000" b="1" dirty="0">
                 <a:solidFill>
                   <a:srgbClr val="000066"/>
                 </a:solidFill>
@@ -3907,7 +3593,7 @@
               </a:rPr>
               <a:t>你真偉大</a:t>
             </a:r>
-            <a:endParaRPr lang="zh-TW" altLang="en-US" b="1" dirty="0">
+            <a:endParaRPr lang="zh-TW" altLang="en-US" sz="4000" b="1" dirty="0">
               <a:solidFill>
                 <a:srgbClr val="000066"/>
               </a:solidFill>
@@ -3929,8 +3615,8 @@
         </p:nvSpPr>
         <p:spPr>
           <a:xfrm>
-            <a:off x="0" y="1600200"/>
-            <a:ext cx="9144000" cy="4525963"/>
+            <a:off x="0" y="1200151"/>
+            <a:ext cx="9144000" cy="3394472"/>
           </a:xfrm>
         </p:spPr>
         <p:txBody>
@@ -3943,46 +3629,16 @@
               <a:buNone/>
             </a:pPr>
             <a:r>
-              <a:rPr lang="zh-TW" altLang="en-US" sz="5400" b="1" dirty="0" smtClean="0">
+              <a:rPr lang="zh-TW" altLang="en-US" sz="4800" b="1" dirty="0">
                 <a:solidFill>
                   <a:srgbClr val="000066"/>
                 </a:solidFill>
                 <a:latin typeface="微軟正黑體" pitchFamily="34" charset="-120"/>
                 <a:ea typeface="微軟正黑體" pitchFamily="34" charset="-120"/>
               </a:rPr>
-              <a:t>我靈</a:t>
-            </a:r>
-            <a:r>
-              <a:rPr lang="zh-TW" altLang="en-US" sz="5400" b="1" dirty="0" smtClean="0">
-                <a:solidFill>
-                  <a:srgbClr val="000066"/>
-                </a:solidFill>
-                <a:latin typeface="微軟正黑體" pitchFamily="34" charset="-120"/>
-                <a:ea typeface="微軟正黑體" pitchFamily="34" charset="-120"/>
-              </a:rPr>
-              <a:t>歌唱  讚美</a:t>
-            </a:r>
-            <a:r>
-              <a:rPr lang="zh-TW" altLang="en-US" sz="5400" b="1" dirty="0" smtClean="0">
-                <a:solidFill>
-                  <a:srgbClr val="000066"/>
-                </a:solidFill>
-                <a:latin typeface="微軟正黑體" pitchFamily="34" charset="-120"/>
-                <a:ea typeface="微軟正黑體" pitchFamily="34" charset="-120"/>
-              </a:rPr>
-              <a:t>救主我</a:t>
-            </a:r>
-            <a:r>
-              <a:rPr lang="zh-TW" altLang="en-US" sz="5400" b="1" dirty="0" smtClean="0">
-                <a:solidFill>
-                  <a:srgbClr val="000066"/>
-                </a:solidFill>
-                <a:latin typeface="微軟正黑體" pitchFamily="34" charset="-120"/>
-                <a:ea typeface="微軟正黑體" pitchFamily="34" charset="-120"/>
-              </a:rPr>
-              <a:t>神</a:t>
-            </a:r>
-            <a:endParaRPr lang="en-US" altLang="zh-TW" sz="5400" b="1" dirty="0" smtClean="0">
+              <a:t>我靈歌唱  讚美救主我神</a:t>
+            </a:r>
+            <a:endParaRPr lang="en-US" altLang="zh-TW" sz="4800" b="1" dirty="0">
               <a:solidFill>
                 <a:srgbClr val="000066"/>
               </a:solidFill>
@@ -3995,36 +3651,16 @@
               <a:buNone/>
             </a:pPr>
             <a:r>
-              <a:rPr lang="zh-TW" altLang="en-US" sz="5400" b="1" dirty="0" smtClean="0">
+              <a:rPr lang="zh-TW" altLang="en-US" sz="4800" b="1" dirty="0">
                 <a:solidFill>
                   <a:srgbClr val="000066"/>
                 </a:solidFill>
                 <a:latin typeface="微軟正黑體" pitchFamily="34" charset="-120"/>
                 <a:ea typeface="微軟正黑體" pitchFamily="34" charset="-120"/>
               </a:rPr>
-              <a:t>你</a:t>
-            </a:r>
-            <a:r>
-              <a:rPr lang="zh-TW" altLang="en-US" sz="5400" b="1" dirty="0" smtClean="0">
-                <a:solidFill>
-                  <a:srgbClr val="000066"/>
-                </a:solidFill>
-                <a:latin typeface="微軟正黑體" pitchFamily="34" charset="-120"/>
-                <a:ea typeface="微軟正黑體" pitchFamily="34" charset="-120"/>
-              </a:rPr>
-              <a:t>真</a:t>
-            </a:r>
-            <a:r>
-              <a:rPr lang="zh-TW" altLang="en-US" sz="5400" b="1" dirty="0" smtClean="0">
-                <a:solidFill>
-                  <a:srgbClr val="000066"/>
-                </a:solidFill>
-                <a:latin typeface="微軟正黑體" pitchFamily="34" charset="-120"/>
-                <a:ea typeface="微軟正黑體" pitchFamily="34" charset="-120"/>
-              </a:rPr>
-              <a:t>偉大  何等偉大</a:t>
-            </a:r>
-            <a:endParaRPr lang="en-US" altLang="zh-TW" sz="5400" b="1" dirty="0" smtClean="0">
+              <a:t>你真偉大  何等偉大</a:t>
+            </a:r>
+            <a:endParaRPr lang="en-US" altLang="zh-TW" sz="4800" b="1" dirty="0">
               <a:solidFill>
                 <a:srgbClr val="000066"/>
               </a:solidFill>
@@ -4037,56 +3673,16 @@
               <a:buNone/>
             </a:pPr>
             <a:r>
-              <a:rPr lang="zh-TW" altLang="en-US" sz="5400" b="1" dirty="0" smtClean="0">
+              <a:rPr lang="zh-TW" altLang="en-US" sz="4800" b="1" dirty="0">
                 <a:solidFill>
                   <a:srgbClr val="000066"/>
                 </a:solidFill>
                 <a:latin typeface="微軟正黑體" pitchFamily="34" charset="-120"/>
                 <a:ea typeface="微軟正黑體" pitchFamily="34" charset="-120"/>
               </a:rPr>
-              <a:t>我</a:t>
-            </a:r>
-            <a:r>
-              <a:rPr lang="zh-TW" altLang="en-US" sz="5400" b="1" dirty="0" smtClean="0">
-                <a:solidFill>
-                  <a:srgbClr val="000066"/>
-                </a:solidFill>
-                <a:latin typeface="微軟正黑體" pitchFamily="34" charset="-120"/>
-                <a:ea typeface="微軟正黑體" pitchFamily="34" charset="-120"/>
-              </a:rPr>
-              <a:t>靈</a:t>
-            </a:r>
-            <a:r>
-              <a:rPr lang="zh-TW" altLang="en-US" sz="5400" b="1" dirty="0" smtClean="0">
-                <a:solidFill>
-                  <a:srgbClr val="000066"/>
-                </a:solidFill>
-                <a:latin typeface="微軟正黑體" pitchFamily="34" charset="-120"/>
-                <a:ea typeface="微軟正黑體" pitchFamily="34" charset="-120"/>
-              </a:rPr>
-              <a:t>歌唱  讚美</a:t>
-            </a:r>
-            <a:r>
-              <a:rPr lang="zh-TW" altLang="en-US" sz="5400" b="1" dirty="0" smtClean="0">
-                <a:solidFill>
-                  <a:srgbClr val="000066"/>
-                </a:solidFill>
-                <a:latin typeface="微軟正黑體" pitchFamily="34" charset="-120"/>
-                <a:ea typeface="微軟正黑體" pitchFamily="34" charset="-120"/>
-              </a:rPr>
-              <a:t>救主我</a:t>
-            </a:r>
-            <a:r>
-              <a:rPr lang="zh-TW" altLang="en-US" sz="5400" b="1" dirty="0" smtClean="0">
-                <a:solidFill>
-                  <a:srgbClr val="000066"/>
-                </a:solidFill>
-                <a:latin typeface="微軟正黑體" pitchFamily="34" charset="-120"/>
-                <a:ea typeface="微軟正黑體" pitchFamily="34" charset="-120"/>
-              </a:rPr>
-              <a:t>神</a:t>
-            </a:r>
-            <a:endParaRPr lang="en-US" altLang="zh-TW" sz="5400" b="1" dirty="0" smtClean="0">
+              <a:t>我靈歌唱  讚美救主我神</a:t>
+            </a:r>
+            <a:endParaRPr lang="en-US" altLang="zh-TW" sz="4800" b="1" dirty="0">
               <a:solidFill>
                 <a:srgbClr val="000066"/>
               </a:solidFill>
@@ -4099,46 +3695,16 @@
               <a:buNone/>
             </a:pPr>
             <a:r>
-              <a:rPr lang="zh-TW" altLang="en-US" sz="5400" b="1" dirty="0" smtClean="0">
+              <a:rPr lang="zh-TW" altLang="en-US" sz="4800" b="1" dirty="0">
                 <a:solidFill>
                   <a:srgbClr val="000066"/>
                 </a:solidFill>
                 <a:latin typeface="微軟正黑體" pitchFamily="34" charset="-120"/>
                 <a:ea typeface="微軟正黑體" pitchFamily="34" charset="-120"/>
               </a:rPr>
-              <a:t>你</a:t>
-            </a:r>
-            <a:r>
-              <a:rPr lang="zh-TW" altLang="en-US" sz="5400" b="1" dirty="0" smtClean="0">
-                <a:solidFill>
-                  <a:srgbClr val="000066"/>
-                </a:solidFill>
-                <a:latin typeface="微軟正黑體" pitchFamily="34" charset="-120"/>
-                <a:ea typeface="微軟正黑體" pitchFamily="34" charset="-120"/>
-              </a:rPr>
-              <a:t>真</a:t>
-            </a:r>
-            <a:r>
-              <a:rPr lang="zh-TW" altLang="en-US" sz="5400" b="1" dirty="0" smtClean="0">
-                <a:solidFill>
-                  <a:srgbClr val="000066"/>
-                </a:solidFill>
-                <a:latin typeface="微軟正黑體" pitchFamily="34" charset="-120"/>
-                <a:ea typeface="微軟正黑體" pitchFamily="34" charset="-120"/>
-              </a:rPr>
-              <a:t>偉大  何等</a:t>
-            </a:r>
-            <a:r>
-              <a:rPr lang="zh-TW" altLang="en-US" sz="5400" b="1" dirty="0" smtClean="0">
-                <a:solidFill>
-                  <a:srgbClr val="000066"/>
-                </a:solidFill>
-                <a:latin typeface="微軟正黑體" pitchFamily="34" charset="-120"/>
-                <a:ea typeface="微軟正黑體" pitchFamily="34" charset="-120"/>
-              </a:rPr>
-              <a:t>偉大</a:t>
-            </a:r>
-            <a:endParaRPr lang="zh-TW" altLang="en-US" sz="5400" b="1" dirty="0">
+              <a:t>你真偉大  何等偉大</a:t>
+            </a:r>
+            <a:endParaRPr lang="zh-TW" altLang="en-US" sz="4800" b="1" dirty="0">
               <a:solidFill>
                 <a:srgbClr val="000066"/>
               </a:solidFill>
@@ -4185,11 +3751,13 @@
         </p:nvSpPr>
         <p:spPr/>
         <p:txBody>
-          <a:bodyPr/>
-          <a:lstStyle/>
-          <a:p>
-            <a:r>
-              <a:rPr lang="zh-TW" altLang="en-US" b="1" dirty="0" smtClean="0">
+          <a:bodyPr>
+            <a:normAutofit/>
+          </a:bodyPr>
+          <a:lstStyle/>
+          <a:p>
+            <a:r>
+              <a:rPr lang="zh-TW" altLang="en-US" sz="4000" b="1" dirty="0">
                 <a:solidFill>
                   <a:srgbClr val="000066"/>
                 </a:solidFill>
@@ -4198,7 +3766,7 @@
               </a:rPr>
               <a:t>你真偉大</a:t>
             </a:r>
-            <a:endParaRPr lang="zh-TW" altLang="en-US" b="1" dirty="0">
+            <a:endParaRPr lang="zh-TW" altLang="en-US" sz="4000" b="1" dirty="0">
               <a:solidFill>
                 <a:srgbClr val="000066"/>
               </a:solidFill>
@@ -4220,8 +3788,8 @@
         </p:nvSpPr>
         <p:spPr>
           <a:xfrm>
-            <a:off x="0" y="1600200"/>
-            <a:ext cx="9144000" cy="4525963"/>
+            <a:off x="0" y="1200151"/>
+            <a:ext cx="9144000" cy="3394472"/>
           </a:xfrm>
         </p:spPr>
         <p:txBody>
@@ -4234,46 +3802,16 @@
               <a:buNone/>
             </a:pPr>
             <a:r>
-              <a:rPr lang="zh-TW" altLang="en-US" sz="5400" b="1" dirty="0" smtClean="0">
+              <a:rPr lang="zh-TW" altLang="en-US" sz="4800" b="1" dirty="0">
                 <a:solidFill>
                   <a:srgbClr val="000066"/>
                 </a:solidFill>
                 <a:latin typeface="微軟正黑體" pitchFamily="34" charset="-120"/>
                 <a:ea typeface="微軟正黑體" pitchFamily="34" charset="-120"/>
               </a:rPr>
-              <a:t>當主</a:t>
-            </a:r>
-            <a:r>
-              <a:rPr lang="zh-TW" altLang="en-US" sz="5400" b="1" dirty="0" smtClean="0">
-                <a:solidFill>
-                  <a:srgbClr val="000066"/>
-                </a:solidFill>
-                <a:latin typeface="微軟正黑體" pitchFamily="34" charset="-120"/>
-                <a:ea typeface="微軟正黑體" pitchFamily="34" charset="-120"/>
-              </a:rPr>
-              <a:t>再來  歡呼</a:t>
-            </a:r>
-            <a:r>
-              <a:rPr lang="zh-TW" altLang="en-US" sz="5400" b="1" dirty="0" smtClean="0">
-                <a:solidFill>
-                  <a:srgbClr val="000066"/>
-                </a:solidFill>
-                <a:latin typeface="微軟正黑體" pitchFamily="34" charset="-120"/>
-                <a:ea typeface="微軟正黑體" pitchFamily="34" charset="-120"/>
-              </a:rPr>
-              <a:t>聲響澈</a:t>
-            </a:r>
-            <a:r>
-              <a:rPr lang="zh-TW" altLang="en-US" sz="5400" b="1" dirty="0" smtClean="0">
-                <a:solidFill>
-                  <a:srgbClr val="000066"/>
-                </a:solidFill>
-                <a:latin typeface="微軟正黑體" pitchFamily="34" charset="-120"/>
-                <a:ea typeface="微軟正黑體" pitchFamily="34" charset="-120"/>
-              </a:rPr>
-              <a:t>天空</a:t>
-            </a:r>
-            <a:endParaRPr lang="en-US" altLang="zh-TW" sz="5400" b="1" dirty="0" smtClean="0">
+              <a:t>當主再來  歡呼聲響澈天空</a:t>
+            </a:r>
+            <a:endParaRPr lang="en-US" altLang="zh-TW" sz="4800" b="1" dirty="0">
               <a:solidFill>
                 <a:srgbClr val="000066"/>
               </a:solidFill>
@@ -4286,36 +3824,16 @@
               <a:buNone/>
             </a:pPr>
             <a:r>
-              <a:rPr lang="zh-TW" altLang="en-US" sz="5400" b="1" dirty="0" smtClean="0">
+              <a:rPr lang="zh-TW" altLang="en-US" sz="4800" b="1" dirty="0">
                 <a:solidFill>
                   <a:srgbClr val="000066"/>
                 </a:solidFill>
                 <a:latin typeface="微軟正黑體" pitchFamily="34" charset="-120"/>
                 <a:ea typeface="微軟正黑體" pitchFamily="34" charset="-120"/>
               </a:rPr>
-              <a:t>何等</a:t>
-            </a:r>
-            <a:r>
-              <a:rPr lang="zh-TW" altLang="en-US" sz="5400" b="1" dirty="0" smtClean="0">
-                <a:solidFill>
-                  <a:srgbClr val="000066"/>
-                </a:solidFill>
-                <a:latin typeface="微軟正黑體" pitchFamily="34" charset="-120"/>
-                <a:ea typeface="微軟正黑體" pitchFamily="34" charset="-120"/>
-              </a:rPr>
-              <a:t>喜樂主接我回天</a:t>
-            </a:r>
-            <a:r>
-              <a:rPr lang="zh-TW" altLang="en-US" sz="5400" b="1" dirty="0" smtClean="0">
-                <a:solidFill>
-                  <a:srgbClr val="000066"/>
-                </a:solidFill>
-                <a:latin typeface="微軟正黑體" pitchFamily="34" charset="-120"/>
-                <a:ea typeface="微軟正黑體" pitchFamily="34" charset="-120"/>
-              </a:rPr>
-              <a:t>家</a:t>
-            </a:r>
-            <a:endParaRPr lang="en-US" altLang="zh-TW" sz="5400" b="1" dirty="0" smtClean="0">
+              <a:t>何等喜樂主接我回天家</a:t>
+            </a:r>
+            <a:endParaRPr lang="en-US" altLang="zh-TW" sz="4800" b="1" dirty="0">
               <a:solidFill>
                 <a:srgbClr val="000066"/>
               </a:solidFill>
@@ -4328,56 +3846,16 @@
               <a:buNone/>
             </a:pPr>
             <a:r>
-              <a:rPr lang="zh-TW" altLang="en-US" sz="5400" b="1" dirty="0" smtClean="0">
+              <a:rPr lang="zh-TW" altLang="en-US" sz="4800" b="1" dirty="0">
                 <a:solidFill>
                   <a:srgbClr val="000066"/>
                 </a:solidFill>
                 <a:latin typeface="微軟正黑體" pitchFamily="34" charset="-120"/>
                 <a:ea typeface="微軟正黑體" pitchFamily="34" charset="-120"/>
               </a:rPr>
-              <a:t>我</a:t>
-            </a:r>
-            <a:r>
-              <a:rPr lang="zh-TW" altLang="en-US" sz="5400" b="1" dirty="0" smtClean="0">
-                <a:solidFill>
-                  <a:srgbClr val="000066"/>
-                </a:solidFill>
-                <a:latin typeface="微軟正黑體" pitchFamily="34" charset="-120"/>
-                <a:ea typeface="微軟正黑體" pitchFamily="34" charset="-120"/>
-              </a:rPr>
-              <a:t>要</a:t>
-            </a:r>
-            <a:r>
-              <a:rPr lang="zh-TW" altLang="en-US" sz="5400" b="1" dirty="0" smtClean="0">
-                <a:solidFill>
-                  <a:srgbClr val="000066"/>
-                </a:solidFill>
-                <a:latin typeface="微軟正黑體" pitchFamily="34" charset="-120"/>
-                <a:ea typeface="微軟正黑體" pitchFamily="34" charset="-120"/>
-              </a:rPr>
-              <a:t>跪下  謙恭</a:t>
-            </a:r>
-            <a:r>
-              <a:rPr lang="zh-TW" altLang="en-US" sz="5400" b="1" dirty="0" smtClean="0">
-                <a:solidFill>
-                  <a:srgbClr val="000066"/>
-                </a:solidFill>
-                <a:latin typeface="微軟正黑體" pitchFamily="34" charset="-120"/>
-                <a:ea typeface="微軟正黑體" pitchFamily="34" charset="-120"/>
-              </a:rPr>
-              <a:t>的崇拜</a:t>
-            </a:r>
-            <a:r>
-              <a:rPr lang="zh-TW" altLang="en-US" sz="5400" b="1" dirty="0" smtClean="0">
-                <a:solidFill>
-                  <a:srgbClr val="000066"/>
-                </a:solidFill>
-                <a:latin typeface="微軟正黑體" pitchFamily="34" charset="-120"/>
-                <a:ea typeface="微軟正黑體" pitchFamily="34" charset="-120"/>
-              </a:rPr>
-              <a:t>敬奉</a:t>
-            </a:r>
-            <a:endParaRPr lang="en-US" altLang="zh-TW" sz="5400" b="1" dirty="0" smtClean="0">
+              <a:t>我要跪下  謙恭的崇拜敬奉</a:t>
+            </a:r>
+            <a:endParaRPr lang="en-US" altLang="zh-TW" sz="4800" b="1" dirty="0">
               <a:solidFill>
                 <a:srgbClr val="000066"/>
               </a:solidFill>
@@ -4390,26 +3868,16 @@
               <a:buNone/>
             </a:pPr>
             <a:r>
-              <a:rPr lang="zh-TW" altLang="en-US" sz="5400" b="1" dirty="0" smtClean="0">
+              <a:rPr lang="zh-TW" altLang="en-US" sz="4800" b="1" dirty="0">
                 <a:solidFill>
                   <a:srgbClr val="000066"/>
                 </a:solidFill>
                 <a:latin typeface="微軟正黑體" pitchFamily="34" charset="-120"/>
                 <a:ea typeface="微軟正黑體" pitchFamily="34" charset="-120"/>
               </a:rPr>
-              <a:t>並</a:t>
-            </a:r>
-            <a:r>
-              <a:rPr lang="zh-TW" altLang="en-US" sz="5400" b="1" dirty="0" smtClean="0">
-                <a:solidFill>
-                  <a:srgbClr val="000066"/>
-                </a:solidFill>
-                <a:latin typeface="微軟正黑體" pitchFamily="34" charset="-120"/>
-                <a:ea typeface="微軟正黑體" pitchFamily="34" charset="-120"/>
-              </a:rPr>
-              <a:t>要頌揚神阿你真偉大</a:t>
-            </a:r>
-            <a:endParaRPr lang="zh-TW" altLang="en-US" sz="5400" b="1" dirty="0">
+              <a:t>並要頌揚神阿你真偉大</a:t>
+            </a:r>
+            <a:endParaRPr lang="zh-TW" altLang="en-US" sz="4800" b="1" dirty="0">
               <a:solidFill>
                 <a:srgbClr val="000066"/>
               </a:solidFill>
@@ -4456,11 +3924,13 @@
         </p:nvSpPr>
         <p:spPr/>
         <p:txBody>
-          <a:bodyPr/>
-          <a:lstStyle/>
-          <a:p>
-            <a:r>
-              <a:rPr lang="zh-TW" altLang="en-US" b="1" dirty="0" smtClean="0">
+          <a:bodyPr>
+            <a:normAutofit/>
+          </a:bodyPr>
+          <a:lstStyle/>
+          <a:p>
+            <a:r>
+              <a:rPr lang="zh-TW" altLang="en-US" sz="4000" b="1" dirty="0">
                 <a:solidFill>
                   <a:srgbClr val="000066"/>
                 </a:solidFill>
@@ -4469,7 +3939,7 @@
               </a:rPr>
               <a:t>你真偉大</a:t>
             </a:r>
-            <a:endParaRPr lang="zh-TW" altLang="en-US" b="1" dirty="0">
+            <a:endParaRPr lang="zh-TW" altLang="en-US" sz="4000" b="1" dirty="0">
               <a:solidFill>
                 <a:srgbClr val="000066"/>
               </a:solidFill>
@@ -4491,8 +3961,8 @@
         </p:nvSpPr>
         <p:spPr>
           <a:xfrm>
-            <a:off x="0" y="1600200"/>
-            <a:ext cx="9144000" cy="4525963"/>
+            <a:off x="0" y="1200151"/>
+            <a:ext cx="9144000" cy="3394472"/>
           </a:xfrm>
         </p:spPr>
         <p:txBody>
@@ -4505,46 +3975,16 @@
               <a:buNone/>
             </a:pPr>
             <a:r>
-              <a:rPr lang="zh-TW" altLang="en-US" sz="5400" b="1" dirty="0" smtClean="0">
+              <a:rPr lang="zh-TW" altLang="en-US" sz="4800" b="1" dirty="0">
                 <a:solidFill>
                   <a:srgbClr val="000066"/>
                 </a:solidFill>
                 <a:latin typeface="微軟正黑體" pitchFamily="34" charset="-120"/>
                 <a:ea typeface="微軟正黑體" pitchFamily="34" charset="-120"/>
               </a:rPr>
-              <a:t>我靈</a:t>
-            </a:r>
-            <a:r>
-              <a:rPr lang="zh-TW" altLang="en-US" sz="5400" b="1" dirty="0" smtClean="0">
-                <a:solidFill>
-                  <a:srgbClr val="000066"/>
-                </a:solidFill>
-                <a:latin typeface="微軟正黑體" pitchFamily="34" charset="-120"/>
-                <a:ea typeface="微軟正黑體" pitchFamily="34" charset="-120"/>
-              </a:rPr>
-              <a:t>歌唱  讚美</a:t>
-            </a:r>
-            <a:r>
-              <a:rPr lang="zh-TW" altLang="en-US" sz="5400" b="1" dirty="0" smtClean="0">
-                <a:solidFill>
-                  <a:srgbClr val="000066"/>
-                </a:solidFill>
-                <a:latin typeface="微軟正黑體" pitchFamily="34" charset="-120"/>
-                <a:ea typeface="微軟正黑體" pitchFamily="34" charset="-120"/>
-              </a:rPr>
-              <a:t>救主我</a:t>
-            </a:r>
-            <a:r>
-              <a:rPr lang="zh-TW" altLang="en-US" sz="5400" b="1" dirty="0" smtClean="0">
-                <a:solidFill>
-                  <a:srgbClr val="000066"/>
-                </a:solidFill>
-                <a:latin typeface="微軟正黑體" pitchFamily="34" charset="-120"/>
-                <a:ea typeface="微軟正黑體" pitchFamily="34" charset="-120"/>
-              </a:rPr>
-              <a:t>神</a:t>
-            </a:r>
-            <a:endParaRPr lang="en-US" altLang="zh-TW" sz="5400" b="1" dirty="0" smtClean="0">
+              <a:t>我靈歌唱  讚美救主我神</a:t>
+            </a:r>
+            <a:endParaRPr lang="en-US" altLang="zh-TW" sz="4800" b="1" dirty="0">
               <a:solidFill>
                 <a:srgbClr val="000066"/>
               </a:solidFill>
@@ -4557,36 +3997,16 @@
               <a:buNone/>
             </a:pPr>
             <a:r>
-              <a:rPr lang="zh-TW" altLang="en-US" sz="5400" b="1" dirty="0" smtClean="0">
+              <a:rPr lang="zh-TW" altLang="en-US" sz="4800" b="1" dirty="0">
                 <a:solidFill>
                   <a:srgbClr val="000066"/>
                 </a:solidFill>
                 <a:latin typeface="微軟正黑體" pitchFamily="34" charset="-120"/>
                 <a:ea typeface="微軟正黑體" pitchFamily="34" charset="-120"/>
               </a:rPr>
-              <a:t>你</a:t>
-            </a:r>
-            <a:r>
-              <a:rPr lang="zh-TW" altLang="en-US" sz="5400" b="1" dirty="0" smtClean="0">
-                <a:solidFill>
-                  <a:srgbClr val="000066"/>
-                </a:solidFill>
-                <a:latin typeface="微軟正黑體" pitchFamily="34" charset="-120"/>
-                <a:ea typeface="微軟正黑體" pitchFamily="34" charset="-120"/>
-              </a:rPr>
-              <a:t>真</a:t>
-            </a:r>
-            <a:r>
-              <a:rPr lang="zh-TW" altLang="en-US" sz="5400" b="1" dirty="0" smtClean="0">
-                <a:solidFill>
-                  <a:srgbClr val="000066"/>
-                </a:solidFill>
-                <a:latin typeface="微軟正黑體" pitchFamily="34" charset="-120"/>
-                <a:ea typeface="微軟正黑體" pitchFamily="34" charset="-120"/>
-              </a:rPr>
-              <a:t>偉大  何等偉大</a:t>
-            </a:r>
-            <a:endParaRPr lang="en-US" altLang="zh-TW" sz="5400" b="1" dirty="0" smtClean="0">
+              <a:t>你真偉大  何等偉大</a:t>
+            </a:r>
+            <a:endParaRPr lang="en-US" altLang="zh-TW" sz="4800" b="1" dirty="0">
               <a:solidFill>
                 <a:srgbClr val="000066"/>
               </a:solidFill>
@@ -4599,56 +4019,16 @@
               <a:buNone/>
             </a:pPr>
             <a:r>
-              <a:rPr lang="zh-TW" altLang="en-US" sz="5400" b="1" dirty="0" smtClean="0">
+              <a:rPr lang="zh-TW" altLang="en-US" sz="4800" b="1" dirty="0">
                 <a:solidFill>
                   <a:srgbClr val="000066"/>
                 </a:solidFill>
                 <a:latin typeface="微軟正黑體" pitchFamily="34" charset="-120"/>
                 <a:ea typeface="微軟正黑體" pitchFamily="34" charset="-120"/>
               </a:rPr>
-              <a:t>我</a:t>
-            </a:r>
-            <a:r>
-              <a:rPr lang="zh-TW" altLang="en-US" sz="5400" b="1" dirty="0" smtClean="0">
-                <a:solidFill>
-                  <a:srgbClr val="000066"/>
-                </a:solidFill>
-                <a:latin typeface="微軟正黑體" pitchFamily="34" charset="-120"/>
-                <a:ea typeface="微軟正黑體" pitchFamily="34" charset="-120"/>
-              </a:rPr>
-              <a:t>靈</a:t>
-            </a:r>
-            <a:r>
-              <a:rPr lang="zh-TW" altLang="en-US" sz="5400" b="1" dirty="0" smtClean="0">
-                <a:solidFill>
-                  <a:srgbClr val="000066"/>
-                </a:solidFill>
-                <a:latin typeface="微軟正黑體" pitchFamily="34" charset="-120"/>
-                <a:ea typeface="微軟正黑體" pitchFamily="34" charset="-120"/>
-              </a:rPr>
-              <a:t>歌唱  讚美</a:t>
-            </a:r>
-            <a:r>
-              <a:rPr lang="zh-TW" altLang="en-US" sz="5400" b="1" dirty="0" smtClean="0">
-                <a:solidFill>
-                  <a:srgbClr val="000066"/>
-                </a:solidFill>
-                <a:latin typeface="微軟正黑體" pitchFamily="34" charset="-120"/>
-                <a:ea typeface="微軟正黑體" pitchFamily="34" charset="-120"/>
-              </a:rPr>
-              <a:t>救主我</a:t>
-            </a:r>
-            <a:r>
-              <a:rPr lang="zh-TW" altLang="en-US" sz="5400" b="1" dirty="0" smtClean="0">
-                <a:solidFill>
-                  <a:srgbClr val="000066"/>
-                </a:solidFill>
-                <a:latin typeface="微軟正黑體" pitchFamily="34" charset="-120"/>
-                <a:ea typeface="微軟正黑體" pitchFamily="34" charset="-120"/>
-              </a:rPr>
-              <a:t>神</a:t>
-            </a:r>
-            <a:endParaRPr lang="en-US" altLang="zh-TW" sz="5400" b="1" dirty="0" smtClean="0">
+              <a:t>我靈歌唱  讚美救主我神</a:t>
+            </a:r>
+            <a:endParaRPr lang="en-US" altLang="zh-TW" sz="4800" b="1" dirty="0">
               <a:solidFill>
                 <a:srgbClr val="000066"/>
               </a:solidFill>
@@ -4661,46 +4041,16 @@
               <a:buNone/>
             </a:pPr>
             <a:r>
-              <a:rPr lang="zh-TW" altLang="en-US" sz="5400" b="1" dirty="0" smtClean="0">
+              <a:rPr lang="zh-TW" altLang="en-US" sz="4800" b="1" dirty="0">
                 <a:solidFill>
                   <a:srgbClr val="000066"/>
                 </a:solidFill>
                 <a:latin typeface="微軟正黑體" pitchFamily="34" charset="-120"/>
                 <a:ea typeface="微軟正黑體" pitchFamily="34" charset="-120"/>
               </a:rPr>
-              <a:t>你</a:t>
-            </a:r>
-            <a:r>
-              <a:rPr lang="zh-TW" altLang="en-US" sz="5400" b="1" dirty="0" smtClean="0">
-                <a:solidFill>
-                  <a:srgbClr val="000066"/>
-                </a:solidFill>
-                <a:latin typeface="微軟正黑體" pitchFamily="34" charset="-120"/>
-                <a:ea typeface="微軟正黑體" pitchFamily="34" charset="-120"/>
-              </a:rPr>
-              <a:t>真</a:t>
-            </a:r>
-            <a:r>
-              <a:rPr lang="zh-TW" altLang="en-US" sz="5400" b="1" dirty="0" smtClean="0">
-                <a:solidFill>
-                  <a:srgbClr val="000066"/>
-                </a:solidFill>
-                <a:latin typeface="微軟正黑體" pitchFamily="34" charset="-120"/>
-                <a:ea typeface="微軟正黑體" pitchFamily="34" charset="-120"/>
-              </a:rPr>
-              <a:t>偉大  何等</a:t>
-            </a:r>
-            <a:r>
-              <a:rPr lang="zh-TW" altLang="en-US" sz="5400" b="1" dirty="0" smtClean="0">
-                <a:solidFill>
-                  <a:srgbClr val="000066"/>
-                </a:solidFill>
-                <a:latin typeface="微軟正黑體" pitchFamily="34" charset="-120"/>
-                <a:ea typeface="微軟正黑體" pitchFamily="34" charset="-120"/>
-              </a:rPr>
-              <a:t>偉大</a:t>
-            </a:r>
-            <a:endParaRPr lang="zh-TW" altLang="en-US" sz="5400" b="1" dirty="0">
+              <a:t>你真偉大  何等偉大</a:t>
+            </a:r>
+            <a:endParaRPr lang="zh-TW" altLang="en-US" sz="4800" b="1" dirty="0">
               <a:solidFill>
                 <a:srgbClr val="000066"/>
               </a:solidFill>

--- a/(生命聖詩12)你真偉大.pptx
+++ b/(生命聖詩12)你真偉大.pptx
@@ -3119,9 +3119,19 @@
                 <a:latin typeface="微軟正黑體" pitchFamily="34" charset="-120"/>
                 <a:ea typeface="微軟正黑體" pitchFamily="34" charset="-120"/>
               </a:rPr>
-              <a:t>主阿  我神  我每逢舉目觀看</a:t>
-            </a:r>
-            <a:endParaRPr lang="en-US" altLang="zh-TW" sz="4800" b="1" dirty="0" smtClean="0">
+              <a:t>主</a:t>
+            </a:r>
+            <a:r>
+              <a:rPr lang="zh-TW" altLang="en-US" sz="4800" b="1" dirty="0">
+                <a:solidFill>
+                  <a:srgbClr val="000066"/>
+                </a:solidFill>
+                <a:latin typeface="微軟正黑體" pitchFamily="34" charset="-120"/>
+                <a:ea typeface="微軟正黑體" pitchFamily="34" charset="-120"/>
+              </a:rPr>
+              <a:t>阿  我神  我每逢舉目觀看</a:t>
+            </a:r>
+            <a:endParaRPr lang="en-US" altLang="zh-TW" sz="4800" b="1" dirty="0">
               <a:solidFill>
                 <a:srgbClr val="000066"/>
               </a:solidFill>
@@ -3134,7 +3144,7 @@
               <a:buNone/>
             </a:pPr>
             <a:r>
-              <a:rPr lang="zh-TW" altLang="en-US" sz="4800" b="1" dirty="0" smtClean="0">
+              <a:rPr lang="zh-TW" altLang="en-US" sz="4800" b="1" dirty="0">
                 <a:solidFill>
                   <a:srgbClr val="000066"/>
                 </a:solidFill>
@@ -3143,7 +3153,7 @@
               </a:rPr>
               <a:t>你手所造一切奇妙大工</a:t>
             </a:r>
-            <a:endParaRPr lang="en-US" altLang="zh-TW" sz="4800" b="1" dirty="0" smtClean="0">
+            <a:endParaRPr lang="en-US" altLang="zh-TW" sz="4800" b="1" dirty="0">
               <a:solidFill>
                 <a:srgbClr val="000066"/>
               </a:solidFill>
@@ -3156,7 +3166,7 @@
               <a:buNone/>
             </a:pPr>
             <a:r>
-              <a:rPr lang="zh-TW" altLang="en-US" sz="4800" b="1" dirty="0" smtClean="0">
+              <a:rPr lang="zh-TW" altLang="en-US" sz="4800" b="1" dirty="0">
                 <a:solidFill>
                   <a:srgbClr val="000066"/>
                 </a:solidFill>
@@ -3165,7 +3175,7 @@
               </a:rPr>
               <a:t>看見星宿  又聽到隆隆雷聲</a:t>
             </a:r>
-            <a:endParaRPr lang="en-US" altLang="zh-TW" sz="4800" b="1" dirty="0" smtClean="0">
+            <a:endParaRPr lang="en-US" altLang="zh-TW" sz="4800" b="1" dirty="0">
               <a:solidFill>
                 <a:srgbClr val="000066"/>
               </a:solidFill>
@@ -3178,7 +3188,7 @@
               <a:buNone/>
             </a:pPr>
             <a:r>
-              <a:rPr lang="zh-TW" altLang="en-US" sz="4800" b="1" dirty="0" smtClean="0">
+              <a:rPr lang="zh-TW" altLang="en-US" sz="4800" b="1" dirty="0">
                 <a:solidFill>
                   <a:srgbClr val="000066"/>
                 </a:solidFill>
@@ -3193,6 +3203,44 @@
               </a:solidFill>
               <a:latin typeface="微軟正黑體" pitchFamily="34" charset="-120"/>
               <a:ea typeface="微軟正黑體" pitchFamily="34" charset="-120"/>
+            </a:endParaRPr>
+          </a:p>
+        </p:txBody>
+      </p:sp>
+      <p:sp>
+        <p:nvSpPr>
+          <p:cNvPr id="6" name="TextBox 5"/>
+          <p:cNvSpPr txBox="1"/>
+          <p:nvPr/>
+        </p:nvSpPr>
+        <p:spPr>
+          <a:xfrm>
+            <a:off x="179512" y="1203598"/>
+            <a:ext cx="720080" cy="830997"/>
+          </a:xfrm>
+          <a:prstGeom prst="rect">
+            <a:avLst/>
+          </a:prstGeom>
+          <a:noFill/>
+        </p:spPr>
+        <p:txBody>
+          <a:bodyPr wrap="square" rtlCol="0">
+            <a:spAutoFit/>
+          </a:bodyPr>
+          <a:lstStyle/>
+          <a:p>
+            <a:r>
+              <a:rPr lang="en-US" altLang="zh-CN" sz="4800" b="1" dirty="0" smtClean="0">
+                <a:solidFill>
+                  <a:srgbClr val="000066"/>
+                </a:solidFill>
+              </a:rPr>
+              <a:t>1.</a:t>
+            </a:r>
+            <a:endParaRPr lang="en-US" sz="4800" b="1" dirty="0">
+              <a:solidFill>
+                <a:srgbClr val="000066"/>
+              </a:solidFill>
             </a:endParaRPr>
           </a:p>
         </p:txBody>
@@ -3249,13 +3297,6 @@
               </a:rPr>
               <a:t>你真偉大</a:t>
             </a:r>
-            <a:endParaRPr lang="zh-TW" altLang="en-US" sz="4000" b="1" dirty="0">
-              <a:solidFill>
-                <a:srgbClr val="000066"/>
-              </a:solidFill>
-              <a:latin typeface="微軟正黑體" pitchFamily="34" charset="-120"/>
-              <a:ea typeface="微軟正黑體" pitchFamily="34" charset="-120"/>
-            </a:endParaRPr>
           </a:p>
         </p:txBody>
       </p:sp>
@@ -3360,13 +3401,6 @@
               </a:rPr>
               <a:t>你真偉大  何等偉大</a:t>
             </a:r>
-            <a:endParaRPr lang="zh-TW" altLang="en-US" sz="4800" b="1" dirty="0">
-              <a:solidFill>
-                <a:srgbClr val="000066"/>
-              </a:solidFill>
-              <a:latin typeface="微軟正黑體" pitchFamily="34" charset="-120"/>
-              <a:ea typeface="微軟正黑體" pitchFamily="34" charset="-120"/>
-            </a:endParaRPr>
           </a:p>
         </p:txBody>
       </p:sp>
@@ -3407,11 +3441,13 @@
         </p:nvSpPr>
         <p:spPr/>
         <p:txBody>
-          <a:bodyPr/>
-          <a:lstStyle/>
-          <a:p>
-            <a:r>
-              <a:rPr lang="zh-TW" altLang="en-US" b="1" dirty="0" smtClean="0">
+          <a:bodyPr>
+            <a:normAutofit/>
+          </a:bodyPr>
+          <a:lstStyle/>
+          <a:p>
+            <a:r>
+              <a:rPr lang="zh-TW" altLang="en-US" sz="4000" b="1" dirty="0">
                 <a:solidFill>
                   <a:srgbClr val="000066"/>
                 </a:solidFill>
@@ -3420,7 +3456,7 @@
               </a:rPr>
               <a:t>你真偉大</a:t>
             </a:r>
-            <a:endParaRPr lang="zh-TW" altLang="en-US" b="1" dirty="0">
+            <a:endParaRPr lang="zh-TW" altLang="en-US" sz="4000" b="1" dirty="0">
               <a:solidFill>
                 <a:srgbClr val="000066"/>
               </a:solidFill>
@@ -3531,12 +3567,51 @@
               </a:rPr>
               <a:t>流血捨身為要赦免我罪</a:t>
             </a:r>
-            <a:endParaRPr lang="zh-TW" altLang="en-US" sz="4800" b="1" dirty="0">
+          </a:p>
+        </p:txBody>
+      </p:sp>
+      <p:sp>
+        <p:nvSpPr>
+          <p:cNvPr id="6" name="TextBox 5"/>
+          <p:cNvSpPr txBox="1"/>
+          <p:nvPr/>
+        </p:nvSpPr>
+        <p:spPr>
+          <a:xfrm>
+            <a:off x="179512" y="1203598"/>
+            <a:ext cx="720080" cy="830997"/>
+          </a:xfrm>
+          <a:prstGeom prst="rect">
+            <a:avLst/>
+          </a:prstGeom>
+          <a:noFill/>
+        </p:spPr>
+        <p:txBody>
+          <a:bodyPr wrap="square" rtlCol="0">
+            <a:spAutoFit/>
+          </a:bodyPr>
+          <a:lstStyle/>
+          <a:p>
+            <a:r>
+              <a:rPr lang="en-US" altLang="zh-CN" sz="4800" b="1" dirty="0">
+                <a:solidFill>
+                  <a:srgbClr val="000066"/>
+                </a:solidFill>
+              </a:rPr>
+              <a:t>2</a:t>
+            </a:r>
+            <a:r>
+              <a:rPr lang="en-US" altLang="zh-CN" sz="4800" b="1" dirty="0" smtClean="0">
+                <a:solidFill>
+                  <a:srgbClr val="000066"/>
+                </a:solidFill>
+              </a:rPr>
+              <a:t>.</a:t>
+            </a:r>
+            <a:endParaRPr lang="en-US" sz="4800" b="1" dirty="0">
               <a:solidFill>
                 <a:srgbClr val="000066"/>
               </a:solidFill>
-              <a:latin typeface="微軟正黑體" pitchFamily="34" charset="-120"/>
-              <a:ea typeface="微軟正黑體" pitchFamily="34" charset="-120"/>
             </a:endParaRPr>
           </a:p>
         </p:txBody>
@@ -3593,13 +3668,6 @@
               </a:rPr>
               <a:t>你真偉大</a:t>
             </a:r>
-            <a:endParaRPr lang="zh-TW" altLang="en-US" sz="4000" b="1" dirty="0">
-              <a:solidFill>
-                <a:srgbClr val="000066"/>
-              </a:solidFill>
-              <a:latin typeface="微軟正黑體" pitchFamily="34" charset="-120"/>
-              <a:ea typeface="微軟正黑體" pitchFamily="34" charset="-120"/>
-            </a:endParaRPr>
           </a:p>
         </p:txBody>
       </p:sp>
@@ -3704,13 +3772,6 @@
               </a:rPr>
               <a:t>你真偉大  何等偉大</a:t>
             </a:r>
-            <a:endParaRPr lang="zh-TW" altLang="en-US" sz="4800" b="1" dirty="0">
-              <a:solidFill>
-                <a:srgbClr val="000066"/>
-              </a:solidFill>
-              <a:latin typeface="微軟正黑體" pitchFamily="34" charset="-120"/>
-              <a:ea typeface="微軟正黑體" pitchFamily="34" charset="-120"/>
-            </a:endParaRPr>
           </a:p>
         </p:txBody>
       </p:sp>
@@ -3766,13 +3827,6 @@
               </a:rPr>
               <a:t>你真偉大</a:t>
             </a:r>
-            <a:endParaRPr lang="zh-TW" altLang="en-US" sz="4000" b="1" dirty="0">
-              <a:solidFill>
-                <a:srgbClr val="000066"/>
-              </a:solidFill>
-              <a:latin typeface="微軟正黑體" pitchFamily="34" charset="-120"/>
-              <a:ea typeface="微軟正黑體" pitchFamily="34" charset="-120"/>
-            </a:endParaRPr>
           </a:p>
         </p:txBody>
       </p:sp>
@@ -3877,12 +3931,51 @@
               </a:rPr>
               <a:t>並要頌揚神阿你真偉大</a:t>
             </a:r>
-            <a:endParaRPr lang="zh-TW" altLang="en-US" sz="4800" b="1" dirty="0">
+          </a:p>
+        </p:txBody>
+      </p:sp>
+      <p:sp>
+        <p:nvSpPr>
+          <p:cNvPr id="6" name="TextBox 5"/>
+          <p:cNvSpPr txBox="1"/>
+          <p:nvPr/>
+        </p:nvSpPr>
+        <p:spPr>
+          <a:xfrm>
+            <a:off x="179512" y="1203598"/>
+            <a:ext cx="720080" cy="830997"/>
+          </a:xfrm>
+          <a:prstGeom prst="rect">
+            <a:avLst/>
+          </a:prstGeom>
+          <a:noFill/>
+        </p:spPr>
+        <p:txBody>
+          <a:bodyPr wrap="square" rtlCol="0">
+            <a:spAutoFit/>
+          </a:bodyPr>
+          <a:lstStyle/>
+          <a:p>
+            <a:r>
+              <a:rPr lang="en-US" altLang="zh-CN" sz="4800" b="1" dirty="0">
+                <a:solidFill>
+                  <a:srgbClr val="000066"/>
+                </a:solidFill>
+              </a:rPr>
+              <a:t>3</a:t>
+            </a:r>
+            <a:r>
+              <a:rPr lang="en-US" altLang="zh-CN" sz="4800" b="1" dirty="0" smtClean="0">
+                <a:solidFill>
+                  <a:srgbClr val="000066"/>
+                </a:solidFill>
+              </a:rPr>
+              <a:t>.</a:t>
+            </a:r>
+            <a:endParaRPr lang="en-US" sz="4800" b="1" dirty="0">
               <a:solidFill>
                 <a:srgbClr val="000066"/>
               </a:solidFill>
-              <a:latin typeface="微軟正黑體" pitchFamily="34" charset="-120"/>
-              <a:ea typeface="微軟正黑體" pitchFamily="34" charset="-120"/>
             </a:endParaRPr>
           </a:p>
         </p:txBody>
@@ -3939,13 +4032,6 @@
               </a:rPr>
               <a:t>你真偉大</a:t>
             </a:r>
-            <a:endParaRPr lang="zh-TW" altLang="en-US" sz="4000" b="1" dirty="0">
-              <a:solidFill>
-                <a:srgbClr val="000066"/>
-              </a:solidFill>
-              <a:latin typeface="微軟正黑體" pitchFamily="34" charset="-120"/>
-              <a:ea typeface="微軟正黑體" pitchFamily="34" charset="-120"/>
-            </a:endParaRPr>
           </a:p>
         </p:txBody>
       </p:sp>
@@ -4050,13 +4136,6 @@
               </a:rPr>
               <a:t>你真偉大  何等偉大</a:t>
             </a:r>
-            <a:endParaRPr lang="zh-TW" altLang="en-US" sz="4800" b="1" dirty="0">
-              <a:solidFill>
-                <a:srgbClr val="000066"/>
-              </a:solidFill>
-              <a:latin typeface="微軟正黑體" pitchFamily="34" charset="-120"/>
-              <a:ea typeface="微軟正黑體" pitchFamily="34" charset="-120"/>
-            </a:endParaRPr>
           </a:p>
         </p:txBody>
       </p:sp>
